--- a/materials/slides/ch11-ionic-ui-component-3-infiite-refresher-scroll.pptx
+++ b/materials/slides/ch11-ionic-ui-component-3-infiite-refresher-scroll.pptx
@@ -5,7 +5,7 @@
     <p:sldMasterId id="2147483765" r:id="rId1"/>
   </p:sldMasterIdLst>
   <p:notesMasterIdLst>
-    <p:notesMasterId r:id="rId10"/>
+    <p:notesMasterId r:id="rId12"/>
   </p:notesMasterIdLst>
   <p:sldIdLst>
     <p:sldId id="773" r:id="rId2"/>
@@ -15,7 +15,9 @@
     <p:sldId id="944" r:id="rId6"/>
     <p:sldId id="942" r:id="rId7"/>
     <p:sldId id="943" r:id="rId8"/>
-    <p:sldId id="794" r:id="rId9"/>
+    <p:sldId id="945" r:id="rId9"/>
+    <p:sldId id="946" r:id="rId10"/>
+    <p:sldId id="794" r:id="rId11"/>
   </p:sldIdLst>
   <p:sldSz cx="12192000" cy="6858000"/>
   <p:notesSz cx="6797675" cy="9928225"/>
@@ -146,7 +148,7 @@
   </p:defaultTextStyle>
   <p:extLst>
     <p:ext uri="{EFAFB233-063F-42B5-8137-9DF3F51BA10A}">
-      <p15:sldGuideLst xmlns="" xmlns:p15="http://schemas.microsoft.com/office/powerpoint/2012/main">
+      <p15:sldGuideLst xmlns:p15="http://schemas.microsoft.com/office/powerpoint/2012/main" xmlns="">
         <p15:guide id="1" orient="horz" pos="1584">
           <p15:clr>
             <a:srgbClr val="A4A3A4"/>
@@ -1102,6 +1104,342 @@
         </p:txBody>
       </p:sp>
     </p:spTree>
+  </p:cSld>
+  <p:clrMapOvr>
+    <a:masterClrMapping/>
+  </p:clrMapOvr>
+</p:notes>
+</file>
+
+<file path=ppt/notesSlides/notesSlide3.xml><?xml version="1.0" encoding="utf-8"?>
+<p:notes xmlns:a="http://schemas.openxmlformats.org/drawingml/2006/main" xmlns:r="http://schemas.openxmlformats.org/officeDocument/2006/relationships" xmlns:p="http://schemas.openxmlformats.org/presentationml/2006/main">
+  <p:cSld>
+    <p:spTree>
+      <p:nvGrpSpPr>
+        <p:cNvPr id="1" name=""/>
+        <p:cNvGrpSpPr/>
+        <p:nvPr/>
+      </p:nvGrpSpPr>
+      <p:grpSpPr>
+        <a:xfrm>
+          <a:off x="0" y="0"/>
+          <a:ext cx="0" cy="0"/>
+          <a:chOff x="0" y="0"/>
+          <a:chExt cx="0" cy="0"/>
+        </a:xfrm>
+      </p:grpSpPr>
+      <p:sp>
+        <p:nvSpPr>
+          <p:cNvPr id="22530" name="幻灯片图像占位符 1"/>
+          <p:cNvSpPr>
+            <a:spLocks noGrp="1" noRot="1" noChangeAspect="1" noTextEdit="1"/>
+          </p:cNvSpPr>
+          <p:nvPr>
+            <p:ph type="sldImg"/>
+          </p:nvPr>
+        </p:nvSpPr>
+        <p:spPr/>
+      </p:sp>
+      <p:sp>
+        <p:nvSpPr>
+          <p:cNvPr id="22531" name="备注占位符 2"/>
+          <p:cNvSpPr>
+            <a:spLocks noGrp="1"/>
+          </p:cNvSpPr>
+          <p:nvPr>
+            <p:ph type="body" idx="1"/>
+          </p:nvPr>
+        </p:nvSpPr>
+        <p:spPr>
+          <a:noFill/>
+          <a:ln/>
+          <a:extLst>
+            <a:ext uri="{909E8E84-426E-40DD-AFC4-6F175D3DCCD1}">
+              <a14:hiddenFill xmlns:a14="http://schemas.microsoft.com/office/drawing/2010/main">
+                <a:solidFill>
+                  <a:srgbClr val="FFFFFF"/>
+                </a:solidFill>
+              </a14:hiddenFill>
+            </a:ext>
+            <a:ext uri="{91240B29-F687-4F45-9708-019B960494DF}">
+              <a14:hiddenLine xmlns:a14="http://schemas.microsoft.com/office/drawing/2010/main" w="9525">
+                <a:solidFill>
+                  <a:srgbClr val="000000"/>
+                </a:solidFill>
+                <a:miter lim="800000"/>
+                <a:headEnd/>
+                <a:tailEnd/>
+              </a14:hiddenLine>
+            </a:ext>
+          </a:extLst>
+        </p:spPr>
+        <p:txBody>
+          <a:bodyPr/>
+          <a:lstStyle/>
+          <a:p>
+            <a:endParaRPr lang="zh-CN" altLang="en-US" smtClean="0"/>
+          </a:p>
+        </p:txBody>
+      </p:sp>
+      <p:sp>
+        <p:nvSpPr>
+          <p:cNvPr id="22532" name="灯片编号占位符 3"/>
+          <p:cNvSpPr>
+            <a:spLocks noGrp="1"/>
+          </p:cNvSpPr>
+          <p:nvPr>
+            <p:ph type="sldNum" sz="quarter" idx="5"/>
+          </p:nvPr>
+        </p:nvSpPr>
+        <p:spPr>
+          <a:noFill/>
+          <a:ln/>
+          <a:extLst>
+            <a:ext uri="{909E8E84-426E-40DD-AFC4-6F175D3DCCD1}">
+              <a14:hiddenFill xmlns:a14="http://schemas.microsoft.com/office/drawing/2010/main">
+                <a:solidFill>
+                  <a:srgbClr val="FFFFFF"/>
+                </a:solidFill>
+              </a14:hiddenFill>
+            </a:ext>
+            <a:ext uri="{91240B29-F687-4F45-9708-019B960494DF}">
+              <a14:hiddenLine xmlns:a14="http://schemas.microsoft.com/office/drawing/2010/main" w="9525">
+                <a:solidFill>
+                  <a:srgbClr val="000000"/>
+                </a:solidFill>
+                <a:miter lim="800000"/>
+                <a:headEnd/>
+                <a:tailEnd/>
+              </a14:hiddenLine>
+            </a:ext>
+          </a:extLst>
+        </p:spPr>
+        <p:txBody>
+          <a:bodyPr/>
+          <a:lstStyle>
+            <a:lvl1pPr>
+              <a:defRPr sz="3200">
+                <a:solidFill>
+                  <a:schemeClr val="tx1"/>
+                </a:solidFill>
+                <a:latin typeface="Arial" panose="020B0604020202020204" pitchFamily="34" charset="0"/>
+                <a:ea typeface="微软雅黑" panose="020B0503020204020204" pitchFamily="34" charset="-122"/>
+              </a:defRPr>
+            </a:lvl1pPr>
+            <a:lvl2pPr marL="742950" indent="-285750">
+              <a:defRPr sz="3200">
+                <a:solidFill>
+                  <a:schemeClr val="tx1"/>
+                </a:solidFill>
+                <a:latin typeface="Arial" panose="020B0604020202020204" pitchFamily="34" charset="0"/>
+                <a:ea typeface="微软雅黑" panose="020B0503020204020204" pitchFamily="34" charset="-122"/>
+              </a:defRPr>
+            </a:lvl2pPr>
+            <a:lvl3pPr marL="1143000" indent="-228600">
+              <a:defRPr sz="3200">
+                <a:solidFill>
+                  <a:schemeClr val="tx1"/>
+                </a:solidFill>
+                <a:latin typeface="Arial" panose="020B0604020202020204" pitchFamily="34" charset="0"/>
+                <a:ea typeface="微软雅黑" panose="020B0503020204020204" pitchFamily="34" charset="-122"/>
+              </a:defRPr>
+            </a:lvl3pPr>
+            <a:lvl4pPr marL="1600200" indent="-228600">
+              <a:defRPr sz="3200">
+                <a:solidFill>
+                  <a:schemeClr val="tx1"/>
+                </a:solidFill>
+                <a:latin typeface="Arial" panose="020B0604020202020204" pitchFamily="34" charset="0"/>
+                <a:ea typeface="微软雅黑" panose="020B0503020204020204" pitchFamily="34" charset="-122"/>
+              </a:defRPr>
+            </a:lvl4pPr>
+            <a:lvl5pPr marL="2057400" indent="-228600">
+              <a:defRPr sz="3200">
+                <a:solidFill>
+                  <a:schemeClr val="tx1"/>
+                </a:solidFill>
+                <a:latin typeface="Arial" panose="020B0604020202020204" pitchFamily="34" charset="0"/>
+                <a:ea typeface="微软雅黑" panose="020B0503020204020204" pitchFamily="34" charset="-122"/>
+              </a:defRPr>
+            </a:lvl5pPr>
+            <a:lvl6pPr marL="2514600" indent="-228600" eaLnBrk="0" fontAlgn="base" hangingPunct="0">
+              <a:spcBef>
+                <a:spcPct val="0"/>
+              </a:spcBef>
+              <a:spcAft>
+                <a:spcPct val="0"/>
+              </a:spcAft>
+              <a:defRPr sz="3200">
+                <a:solidFill>
+                  <a:schemeClr val="tx1"/>
+                </a:solidFill>
+                <a:latin typeface="Arial" panose="020B0604020202020204" pitchFamily="34" charset="0"/>
+                <a:ea typeface="微软雅黑" panose="020B0503020204020204" pitchFamily="34" charset="-122"/>
+              </a:defRPr>
+            </a:lvl6pPr>
+            <a:lvl7pPr marL="2971800" indent="-228600" eaLnBrk="0" fontAlgn="base" hangingPunct="0">
+              <a:spcBef>
+                <a:spcPct val="0"/>
+              </a:spcBef>
+              <a:spcAft>
+                <a:spcPct val="0"/>
+              </a:spcAft>
+              <a:defRPr sz="3200">
+                <a:solidFill>
+                  <a:schemeClr val="tx1"/>
+                </a:solidFill>
+                <a:latin typeface="Arial" panose="020B0604020202020204" pitchFamily="34" charset="0"/>
+                <a:ea typeface="微软雅黑" panose="020B0503020204020204" pitchFamily="34" charset="-122"/>
+              </a:defRPr>
+            </a:lvl7pPr>
+            <a:lvl8pPr marL="3429000" indent="-228600" eaLnBrk="0" fontAlgn="base" hangingPunct="0">
+              <a:spcBef>
+                <a:spcPct val="0"/>
+              </a:spcBef>
+              <a:spcAft>
+                <a:spcPct val="0"/>
+              </a:spcAft>
+              <a:defRPr sz="3200">
+                <a:solidFill>
+                  <a:schemeClr val="tx1"/>
+                </a:solidFill>
+                <a:latin typeface="Arial" panose="020B0604020202020204" pitchFamily="34" charset="0"/>
+                <a:ea typeface="微软雅黑" panose="020B0503020204020204" pitchFamily="34" charset="-122"/>
+              </a:defRPr>
+            </a:lvl8pPr>
+            <a:lvl9pPr marL="3886200" indent="-228600" eaLnBrk="0" fontAlgn="base" hangingPunct="0">
+              <a:spcBef>
+                <a:spcPct val="0"/>
+              </a:spcBef>
+              <a:spcAft>
+                <a:spcPct val="0"/>
+              </a:spcAft>
+              <a:defRPr sz="3200">
+                <a:solidFill>
+                  <a:schemeClr val="tx1"/>
+                </a:solidFill>
+                <a:latin typeface="Arial" panose="020B0604020202020204" pitchFamily="34" charset="0"/>
+                <a:ea typeface="微软雅黑" panose="020B0503020204020204" pitchFamily="34" charset="-122"/>
+              </a:defRPr>
+            </a:lvl9pPr>
+          </a:lstStyle>
+          <a:p>
+            <a:fld id="{B94B757B-0235-4C13-B71B-044FB4BFFF15}" type="slidenum">
+              <a:rPr lang="zh-CN" altLang="zh-CN">
+                <a:ea typeface="宋体" panose="02010600030101010101" pitchFamily="2" charset="-122"/>
+              </a:rPr>
+              <a:pPr/>
+              <a:t>8</a:t>
+            </a:fld>
+            <a:endParaRPr lang="zh-CN" altLang="zh-CN">
+              <a:ea typeface="宋体" panose="02010600030101010101" pitchFamily="2" charset="-122"/>
+            </a:endParaRPr>
+          </a:p>
+        </p:txBody>
+      </p:sp>
+    </p:spTree>
+  </p:cSld>
+  <p:clrMapOvr>
+    <a:masterClrMapping/>
+  </p:clrMapOvr>
+</p:notes>
+</file>
+
+<file path=ppt/notesSlides/notesSlide4.xml><?xml version="1.0" encoding="utf-8"?>
+<p:notes xmlns:a="http://schemas.openxmlformats.org/drawingml/2006/main" xmlns:r="http://schemas.openxmlformats.org/officeDocument/2006/relationships" xmlns:p="http://schemas.openxmlformats.org/presentationml/2006/main">
+  <p:cSld>
+    <p:spTree>
+      <p:nvGrpSpPr>
+        <p:cNvPr id="1" name=""/>
+        <p:cNvGrpSpPr/>
+        <p:nvPr/>
+      </p:nvGrpSpPr>
+      <p:grpSpPr>
+        <a:xfrm>
+          <a:off x="0" y="0"/>
+          <a:ext cx="0" cy="0"/>
+          <a:chOff x="0" y="0"/>
+          <a:chExt cx="0" cy="0"/>
+        </a:xfrm>
+      </p:grpSpPr>
+      <p:sp>
+        <p:nvSpPr>
+          <p:cNvPr id="2" name="幻灯片图像占位符 1"/>
+          <p:cNvSpPr>
+            <a:spLocks noGrp="1" noRot="1" noChangeAspect="1"/>
+          </p:cNvSpPr>
+          <p:nvPr>
+            <p:ph type="sldImg"/>
+          </p:nvPr>
+        </p:nvSpPr>
+        <p:spPr/>
+      </p:sp>
+      <p:sp>
+        <p:nvSpPr>
+          <p:cNvPr id="3" name="备注占位符 2"/>
+          <p:cNvSpPr>
+            <a:spLocks noGrp="1"/>
+          </p:cNvSpPr>
+          <p:nvPr>
+            <p:ph type="body" idx="1"/>
+          </p:nvPr>
+        </p:nvSpPr>
+        <p:spPr/>
+        <p:txBody>
+          <a:bodyPr/>
+          <a:lstStyle/>
+          <a:p>
+            <a:r>
+              <a:rPr lang="en-US" altLang="zh-CN" sz="1200" b="0" i="0" kern="1200" dirty="0" smtClean="0">
+                <a:solidFill>
+                  <a:schemeClr val="tx1"/>
+                </a:solidFill>
+                <a:effectLst/>
+                <a:latin typeface="Arial" pitchFamily="34" charset="0"/>
+                <a:ea typeface="+mn-ea"/>
+                <a:cs typeface="+mn-cs"/>
+              </a:rPr>
+              <a:t> </a:t>
+            </a:r>
+            <a:endParaRPr lang="zh-CN" altLang="en-US" dirty="0"/>
+          </a:p>
+        </p:txBody>
+      </p:sp>
+      <p:sp>
+        <p:nvSpPr>
+          <p:cNvPr id="4" name="灯片编号占位符 3"/>
+          <p:cNvSpPr>
+            <a:spLocks noGrp="1"/>
+          </p:cNvSpPr>
+          <p:nvPr>
+            <p:ph type="sldNum" sz="quarter" idx="10"/>
+          </p:nvPr>
+        </p:nvSpPr>
+        <p:spPr/>
+        <p:txBody>
+          <a:bodyPr/>
+          <a:lstStyle/>
+          <a:p>
+            <a:pPr>
+              <a:defRPr/>
+            </a:pPr>
+            <a:fld id="{F2CCABD1-AF70-44CD-8C26-4C379059FAC1}" type="slidenum">
+              <a:rPr lang="zh-CN" altLang="zh-CN" smtClean="0"/>
+              <a:pPr>
+                <a:defRPr/>
+              </a:pPr>
+              <a:t>9</a:t>
+            </a:fld>
+            <a:endParaRPr lang="zh-CN" altLang="zh-CN"/>
+          </a:p>
+        </p:txBody>
+      </p:sp>
+    </p:spTree>
+    <p:extLst>
+      <p:ext uri="{BB962C8B-B14F-4D97-AF65-F5344CB8AC3E}">
+        <p14:creationId xmlns:p14="http://schemas.microsoft.com/office/powerpoint/2010/main" val="1471173630"/>
+      </p:ext>
+    </p:extLst>
   </p:cSld>
   <p:clrMapOvr>
     <a:masterClrMapping/>
@@ -2565,6 +2903,202 @@
 </p:sld>
 </file>
 
+<file path=ppt/slides/slide10.xml><?xml version="1.0" encoding="utf-8"?>
+<p:sld xmlns:a="http://schemas.openxmlformats.org/drawingml/2006/main" xmlns:r="http://schemas.openxmlformats.org/officeDocument/2006/relationships" xmlns:p="http://schemas.openxmlformats.org/presentationml/2006/main">
+  <p:cSld>
+    <p:spTree>
+      <p:nvGrpSpPr>
+        <p:cNvPr id="1" name=""/>
+        <p:cNvGrpSpPr/>
+        <p:nvPr/>
+      </p:nvGrpSpPr>
+      <p:grpSpPr>
+        <a:xfrm>
+          <a:off x="0" y="0"/>
+          <a:ext cx="0" cy="0"/>
+          <a:chOff x="0" y="0"/>
+          <a:chExt cx="0" cy="0"/>
+        </a:xfrm>
+      </p:grpSpPr>
+      <p:pic>
+        <p:nvPicPr>
+          <p:cNvPr id="69634" name="Picture 5"/>
+          <p:cNvPicPr>
+            <a:picLocks noChangeAspect="1" noChangeArrowheads="1"/>
+          </p:cNvPicPr>
+          <p:nvPr/>
+        </p:nvPicPr>
+        <p:blipFill>
+          <a:blip r:embed="rId2">
+            <a:extLst>
+              <a:ext uri="{28A0092B-C50C-407E-A947-70E740481C1C}">
+                <a14:useLocalDpi xmlns:a14="http://schemas.microsoft.com/office/drawing/2010/main" val="0"/>
+              </a:ext>
+            </a:extLst>
+          </a:blip>
+          <a:srcRect/>
+          <a:stretch>
+            <a:fillRect/>
+          </a:stretch>
+        </p:blipFill>
+        <p:spPr bwMode="auto">
+          <a:xfrm>
+            <a:off x="0" y="0"/>
+            <a:ext cx="12192000" cy="6858000"/>
+          </a:xfrm>
+          <a:prstGeom prst="rect">
+            <a:avLst/>
+          </a:prstGeom>
+          <a:noFill/>
+          <a:ln>
+            <a:noFill/>
+          </a:ln>
+          <a:extLst>
+            <a:ext uri="{909E8E84-426E-40DD-AFC4-6F175D3DCCD1}">
+              <a14:hiddenFill xmlns:a14="http://schemas.microsoft.com/office/drawing/2010/main">
+                <a:solidFill>
+                  <a:srgbClr val="FFFFFF"/>
+                </a:solidFill>
+              </a14:hiddenFill>
+            </a:ext>
+            <a:ext uri="{91240B29-F687-4F45-9708-019B960494DF}">
+              <a14:hiddenLine xmlns:a14="http://schemas.microsoft.com/office/drawing/2010/main" w="9525">
+                <a:solidFill>
+                  <a:srgbClr val="000000"/>
+                </a:solidFill>
+                <a:miter lim="800000"/>
+                <a:headEnd/>
+                <a:tailEnd/>
+              </a14:hiddenLine>
+            </a:ext>
+          </a:extLst>
+        </p:spPr>
+      </p:pic>
+      <p:sp>
+        <p:nvSpPr>
+          <p:cNvPr id="69635" name="Rectangle 6"/>
+          <p:cNvSpPr>
+            <a:spLocks noGrp="1" noChangeArrowheads="1"/>
+          </p:cNvSpPr>
+          <p:nvPr>
+            <p:ph type="ctrTitle" idx="4294967295"/>
+          </p:nvPr>
+        </p:nvSpPr>
+        <p:spPr bwMode="auto">
+          <a:xfrm>
+            <a:off x="1557338" y="3494088"/>
+            <a:ext cx="7362825" cy="582612"/>
+          </a:xfrm>
+          <a:prstGeom prst="rect">
+            <a:avLst/>
+          </a:prstGeom>
+          <a:noFill/>
+          <a:extLst>
+            <a:ext uri="{909E8E84-426E-40DD-AFC4-6F175D3DCCD1}">
+              <a14:hiddenFill xmlns:a14="http://schemas.microsoft.com/office/drawing/2010/main">
+                <a:solidFill>
+                  <a:srgbClr val="FFFFFF"/>
+                </a:solidFill>
+              </a14:hiddenFill>
+            </a:ext>
+            <a:ext uri="{91240B29-F687-4F45-9708-019B960494DF}">
+              <a14:hiddenLine xmlns:a14="http://schemas.microsoft.com/office/drawing/2010/main" w="9525">
+                <a:solidFill>
+                  <a:srgbClr val="000000"/>
+                </a:solidFill>
+                <a:miter lim="800000"/>
+                <a:headEnd/>
+                <a:tailEnd/>
+              </a14:hiddenLine>
+            </a:ext>
+          </a:extLst>
+        </p:spPr>
+        <p:txBody>
+          <a:bodyPr anchor="b"/>
+          <a:lstStyle/>
+          <a:p>
+            <a:pPr algn="ctr" eaLnBrk="1" hangingPunct="1"/>
+            <a:r>
+              <a:rPr lang="en-US" altLang="zh-CN" sz="5400" smtClean="0">
+                <a:ea typeface="宋体" panose="02010600030101010101" pitchFamily="2" charset="-122"/>
+              </a:rPr>
+              <a:t>Thank You</a:t>
+            </a:r>
+            <a:endParaRPr lang="zh-CN" altLang="zh-CN" sz="5400" smtClean="0">
+              <a:ea typeface="宋体" panose="02010600030101010101" pitchFamily="2" charset="-122"/>
+            </a:endParaRPr>
+          </a:p>
+        </p:txBody>
+      </p:sp>
+      <p:pic>
+        <p:nvPicPr>
+          <p:cNvPr id="69636" name="图片 3" descr="软院logo横版.png"/>
+          <p:cNvPicPr>
+            <a:picLocks noChangeAspect="1"/>
+          </p:cNvPicPr>
+          <p:nvPr/>
+        </p:nvPicPr>
+        <p:blipFill>
+          <a:blip r:embed="rId3">
+            <a:extLst>
+              <a:ext uri="{28A0092B-C50C-407E-A947-70E740481C1C}">
+                <a14:useLocalDpi xmlns:a14="http://schemas.microsoft.com/office/drawing/2010/main" val="0"/>
+              </a:ext>
+            </a:extLst>
+          </a:blip>
+          <a:srcRect/>
+          <a:stretch>
+            <a:fillRect/>
+          </a:stretch>
+        </p:blipFill>
+        <p:spPr bwMode="auto">
+          <a:xfrm>
+            <a:off x="1634130" y="5806089"/>
+            <a:ext cx="3381375" cy="527050"/>
+          </a:xfrm>
+          <a:prstGeom prst="rect">
+            <a:avLst/>
+          </a:prstGeom>
+          <a:noFill/>
+          <a:ln>
+            <a:noFill/>
+          </a:ln>
+          <a:extLst>
+            <a:ext uri="{909E8E84-426E-40DD-AFC4-6F175D3DCCD1}">
+              <a14:hiddenFill xmlns:a14="http://schemas.microsoft.com/office/drawing/2010/main">
+                <a:solidFill>
+                  <a:srgbClr val="FFFFFF"/>
+                </a:solidFill>
+              </a14:hiddenFill>
+            </a:ext>
+            <a:ext uri="{91240B29-F687-4F45-9708-019B960494DF}">
+              <a14:hiddenLine xmlns:a14="http://schemas.microsoft.com/office/drawing/2010/main" w="9525">
+                <a:solidFill>
+                  <a:srgbClr val="000000"/>
+                </a:solidFill>
+                <a:miter lim="800000"/>
+                <a:headEnd/>
+                <a:tailEnd/>
+              </a14:hiddenLine>
+            </a:ext>
+          </a:extLst>
+        </p:spPr>
+      </p:pic>
+    </p:spTree>
+  </p:cSld>
+  <p:clrMapOvr>
+    <a:masterClrMapping/>
+  </p:clrMapOvr>
+  <p:timing>
+    <p:tnLst>
+      <p:par>
+        <p:cTn id="1" dur="indefinite" restart="never" nodeType="tmRoot"/>
+      </p:par>
+    </p:tnLst>
+  </p:timing>
+</p:sld>
+</file>
+
 <file path=ppt/slides/slide2.xml><?xml version="1.0" encoding="utf-8"?>
 <p:sld xmlns:a="http://schemas.openxmlformats.org/drawingml/2006/main" xmlns:r="http://schemas.openxmlformats.org/officeDocument/2006/relationships" xmlns:p="http://schemas.openxmlformats.org/presentationml/2006/main">
   <p:cSld>
@@ -3072,11 +3606,7 @@
             </a:r>
             <a:r>
               <a:rPr lang="it-IT" altLang="zh-CN" dirty="0" smtClean="0"/>
-              <a:t>&lt;</a:t>
-            </a:r>
-            <a:r>
-              <a:rPr lang="it-IT" altLang="zh-CN" dirty="0" smtClean="0"/>
-              <a:t>ion-infinite-scroll&gt;</a:t>
+              <a:t>&lt;ion-infinite-scroll&gt;</a:t>
             </a:r>
             <a:endParaRPr lang="it-IT" altLang="zh-CN" dirty="0"/>
           </a:p>
@@ -4995,31 +5525,18 @@
           <a:chExt cx="0" cy="0"/>
         </a:xfrm>
       </p:grpSpPr>
-      <p:pic>
-        <p:nvPicPr>
-          <p:cNvPr id="69634" name="Picture 5"/>
-          <p:cNvPicPr>
-            <a:picLocks noChangeAspect="1" noChangeArrowheads="1"/>
-          </p:cNvPicPr>
+      <p:sp>
+        <p:nvSpPr>
+          <p:cNvPr id="21506" name="矩形 2"/>
+          <p:cNvSpPr>
+            <a:spLocks noChangeArrowheads="1"/>
+          </p:cNvSpPr>
           <p:nvPr/>
-        </p:nvPicPr>
-        <p:blipFill>
-          <a:blip r:embed="rId2">
-            <a:extLst>
-              <a:ext uri="{28A0092B-C50C-407E-A947-70E740481C1C}">
-                <a14:useLocalDpi xmlns:a14="http://schemas.microsoft.com/office/drawing/2010/main" val="0"/>
-              </a:ext>
-            </a:extLst>
-          </a:blip>
-          <a:srcRect/>
-          <a:stretch>
-            <a:fillRect/>
-          </a:stretch>
-        </p:blipFill>
+        </p:nvSpPr>
         <p:spPr bwMode="auto">
           <a:xfrm>
-            <a:off x="0" y="0"/>
-            <a:ext cx="12192000" cy="6858000"/>
+            <a:off x="909624" y="187515"/>
+            <a:ext cx="3186523" cy="585787"/>
           </a:xfrm>
           <a:prstGeom prst="rect">
             <a:avLst/>
@@ -5048,26 +5565,615 @@
             </a:ext>
           </a:extLst>
         </p:spPr>
-      </p:pic>
+        <p:txBody>
+          <a:bodyPr wrap="square">
+            <a:spAutoFit/>
+          </a:bodyPr>
+          <a:lstStyle>
+            <a:lvl1pPr>
+              <a:defRPr sz="3200">
+                <a:solidFill>
+                  <a:schemeClr val="tx1"/>
+                </a:solidFill>
+                <a:latin typeface="Arial" panose="020B0604020202020204" pitchFamily="34" charset="0"/>
+                <a:ea typeface="微软雅黑" panose="020B0503020204020204" pitchFamily="34" charset="-122"/>
+              </a:defRPr>
+            </a:lvl1pPr>
+            <a:lvl2pPr marL="742950" indent="-285750">
+              <a:defRPr sz="3200">
+                <a:solidFill>
+                  <a:schemeClr val="tx1"/>
+                </a:solidFill>
+                <a:latin typeface="Arial" panose="020B0604020202020204" pitchFamily="34" charset="0"/>
+                <a:ea typeface="微软雅黑" panose="020B0503020204020204" pitchFamily="34" charset="-122"/>
+              </a:defRPr>
+            </a:lvl2pPr>
+            <a:lvl3pPr marL="1143000" indent="-228600">
+              <a:defRPr sz="3200">
+                <a:solidFill>
+                  <a:schemeClr val="tx1"/>
+                </a:solidFill>
+                <a:latin typeface="Arial" panose="020B0604020202020204" pitchFamily="34" charset="0"/>
+                <a:ea typeface="微软雅黑" panose="020B0503020204020204" pitchFamily="34" charset="-122"/>
+              </a:defRPr>
+            </a:lvl3pPr>
+            <a:lvl4pPr marL="1600200" indent="-228600">
+              <a:defRPr sz="3200">
+                <a:solidFill>
+                  <a:schemeClr val="tx1"/>
+                </a:solidFill>
+                <a:latin typeface="Arial" panose="020B0604020202020204" pitchFamily="34" charset="0"/>
+                <a:ea typeface="微软雅黑" panose="020B0503020204020204" pitchFamily="34" charset="-122"/>
+              </a:defRPr>
+            </a:lvl4pPr>
+            <a:lvl5pPr marL="2057400" indent="-228600">
+              <a:defRPr sz="3200">
+                <a:solidFill>
+                  <a:schemeClr val="tx1"/>
+                </a:solidFill>
+                <a:latin typeface="Arial" panose="020B0604020202020204" pitchFamily="34" charset="0"/>
+                <a:ea typeface="微软雅黑" panose="020B0503020204020204" pitchFamily="34" charset="-122"/>
+              </a:defRPr>
+            </a:lvl5pPr>
+            <a:lvl6pPr marL="2514600" indent="-228600" eaLnBrk="0" fontAlgn="base" hangingPunct="0">
+              <a:spcBef>
+                <a:spcPct val="0"/>
+              </a:spcBef>
+              <a:spcAft>
+                <a:spcPct val="0"/>
+              </a:spcAft>
+              <a:defRPr sz="3200">
+                <a:solidFill>
+                  <a:schemeClr val="tx1"/>
+                </a:solidFill>
+                <a:latin typeface="Arial" panose="020B0604020202020204" pitchFamily="34" charset="0"/>
+                <a:ea typeface="微软雅黑" panose="020B0503020204020204" pitchFamily="34" charset="-122"/>
+              </a:defRPr>
+            </a:lvl6pPr>
+            <a:lvl7pPr marL="2971800" indent="-228600" eaLnBrk="0" fontAlgn="base" hangingPunct="0">
+              <a:spcBef>
+                <a:spcPct val="0"/>
+              </a:spcBef>
+              <a:spcAft>
+                <a:spcPct val="0"/>
+              </a:spcAft>
+              <a:defRPr sz="3200">
+                <a:solidFill>
+                  <a:schemeClr val="tx1"/>
+                </a:solidFill>
+                <a:latin typeface="Arial" panose="020B0604020202020204" pitchFamily="34" charset="0"/>
+                <a:ea typeface="微软雅黑" panose="020B0503020204020204" pitchFamily="34" charset="-122"/>
+              </a:defRPr>
+            </a:lvl7pPr>
+            <a:lvl8pPr marL="3429000" indent="-228600" eaLnBrk="0" fontAlgn="base" hangingPunct="0">
+              <a:spcBef>
+                <a:spcPct val="0"/>
+              </a:spcBef>
+              <a:spcAft>
+                <a:spcPct val="0"/>
+              </a:spcAft>
+              <a:defRPr sz="3200">
+                <a:solidFill>
+                  <a:schemeClr val="tx1"/>
+                </a:solidFill>
+                <a:latin typeface="Arial" panose="020B0604020202020204" pitchFamily="34" charset="0"/>
+                <a:ea typeface="微软雅黑" panose="020B0503020204020204" pitchFamily="34" charset="-122"/>
+              </a:defRPr>
+            </a:lvl8pPr>
+            <a:lvl9pPr marL="3886200" indent="-228600" eaLnBrk="0" fontAlgn="base" hangingPunct="0">
+              <a:spcBef>
+                <a:spcPct val="0"/>
+              </a:spcBef>
+              <a:spcAft>
+                <a:spcPct val="0"/>
+              </a:spcAft>
+              <a:defRPr sz="3200">
+                <a:solidFill>
+                  <a:schemeClr val="tx1"/>
+                </a:solidFill>
+                <a:latin typeface="Arial" panose="020B0604020202020204" pitchFamily="34" charset="0"/>
+                <a:ea typeface="微软雅黑" panose="020B0503020204020204" pitchFamily="34" charset="-122"/>
+              </a:defRPr>
+            </a:lvl9pPr>
+          </a:lstStyle>
+          <a:p>
+            <a:r>
+              <a:rPr lang="zh-CN" altLang="en-US" dirty="0" smtClean="0">
+                <a:solidFill>
+                  <a:srgbClr val="C00000"/>
+                </a:solidFill>
+                <a:latin typeface="+mj-ea"/>
+                <a:ea typeface="+mj-ea"/>
+              </a:rPr>
+              <a:t>内容提纲</a:t>
+            </a:r>
+            <a:endParaRPr lang="zh-CN" altLang="en-US" dirty="0">
+              <a:solidFill>
+                <a:srgbClr val="C00000"/>
+              </a:solidFill>
+              <a:latin typeface="+mj-ea"/>
+              <a:ea typeface="+mj-ea"/>
+            </a:endParaRPr>
+          </a:p>
+        </p:txBody>
+      </p:sp>
       <p:sp>
         <p:nvSpPr>
-          <p:cNvPr id="69635" name="Rectangle 6"/>
+          <p:cNvPr id="21507" name="AutoShape 6"/>
           <p:cNvSpPr>
-            <a:spLocks noGrp="1" noChangeArrowheads="1"/>
+            <a:spLocks noChangeArrowheads="1"/>
+          </p:cNvSpPr>
+          <p:nvPr/>
+        </p:nvSpPr>
+        <p:spPr bwMode="auto">
+          <a:xfrm>
+            <a:off x="2309813" y="1428750"/>
+            <a:ext cx="6532562" cy="3943350"/>
+          </a:xfrm>
+          <a:prstGeom prst="roundRect">
+            <a:avLst>
+              <a:gd name="adj" fmla="val 16667"/>
+            </a:avLst>
+          </a:prstGeom>
+          <a:noFill/>
+          <a:ln w="28575">
+            <a:solidFill>
+              <a:srgbClr val="C0C0C0"/>
+            </a:solidFill>
+            <a:prstDash val="sysDot"/>
+            <a:round/>
+            <a:headEnd/>
+            <a:tailEnd/>
+          </a:ln>
+          <a:extLst>
+            <a:ext uri="{909E8E84-426E-40DD-AFC4-6F175D3DCCD1}">
+              <a14:hiddenFill xmlns:a14="http://schemas.microsoft.com/office/drawing/2010/main">
+                <a:solidFill>
+                  <a:srgbClr val="FFFFFF"/>
+                </a:solidFill>
+              </a14:hiddenFill>
+            </a:ext>
+          </a:extLst>
+        </p:spPr>
+        <p:txBody>
+          <a:bodyPr wrap="none" anchor="ctr"/>
+          <a:lstStyle>
+            <a:lvl1pPr marL="457200" indent="-457200">
+              <a:defRPr sz="3200">
+                <a:solidFill>
+                  <a:schemeClr val="tx1"/>
+                </a:solidFill>
+                <a:latin typeface="Arial" panose="020B0604020202020204" pitchFamily="34" charset="0"/>
+                <a:ea typeface="微软雅黑" panose="020B0503020204020204" pitchFamily="34" charset="-122"/>
+              </a:defRPr>
+            </a:lvl1pPr>
+            <a:lvl2pPr marL="742950" indent="-285750">
+              <a:defRPr sz="3200">
+                <a:solidFill>
+                  <a:schemeClr val="tx1"/>
+                </a:solidFill>
+                <a:latin typeface="Arial" panose="020B0604020202020204" pitchFamily="34" charset="0"/>
+                <a:ea typeface="微软雅黑" panose="020B0503020204020204" pitchFamily="34" charset="-122"/>
+              </a:defRPr>
+            </a:lvl2pPr>
+            <a:lvl3pPr marL="1143000" indent="-228600">
+              <a:defRPr sz="3200">
+                <a:solidFill>
+                  <a:schemeClr val="tx1"/>
+                </a:solidFill>
+                <a:latin typeface="Arial" panose="020B0604020202020204" pitchFamily="34" charset="0"/>
+                <a:ea typeface="微软雅黑" panose="020B0503020204020204" pitchFamily="34" charset="-122"/>
+              </a:defRPr>
+            </a:lvl3pPr>
+            <a:lvl4pPr marL="1600200" indent="-228600">
+              <a:defRPr sz="3200">
+                <a:solidFill>
+                  <a:schemeClr val="tx1"/>
+                </a:solidFill>
+                <a:latin typeface="Arial" panose="020B0604020202020204" pitchFamily="34" charset="0"/>
+                <a:ea typeface="微软雅黑" panose="020B0503020204020204" pitchFamily="34" charset="-122"/>
+              </a:defRPr>
+            </a:lvl4pPr>
+            <a:lvl5pPr marL="2057400" indent="-228600">
+              <a:defRPr sz="3200">
+                <a:solidFill>
+                  <a:schemeClr val="tx1"/>
+                </a:solidFill>
+                <a:latin typeface="Arial" panose="020B0604020202020204" pitchFamily="34" charset="0"/>
+                <a:ea typeface="微软雅黑" panose="020B0503020204020204" pitchFamily="34" charset="-122"/>
+              </a:defRPr>
+            </a:lvl5pPr>
+            <a:lvl6pPr marL="2514600" indent="-228600" eaLnBrk="0" fontAlgn="base" hangingPunct="0">
+              <a:spcBef>
+                <a:spcPct val="0"/>
+              </a:spcBef>
+              <a:spcAft>
+                <a:spcPct val="0"/>
+              </a:spcAft>
+              <a:defRPr sz="3200">
+                <a:solidFill>
+                  <a:schemeClr val="tx1"/>
+                </a:solidFill>
+                <a:latin typeface="Arial" panose="020B0604020202020204" pitchFamily="34" charset="0"/>
+                <a:ea typeface="微软雅黑" panose="020B0503020204020204" pitchFamily="34" charset="-122"/>
+              </a:defRPr>
+            </a:lvl6pPr>
+            <a:lvl7pPr marL="2971800" indent="-228600" eaLnBrk="0" fontAlgn="base" hangingPunct="0">
+              <a:spcBef>
+                <a:spcPct val="0"/>
+              </a:spcBef>
+              <a:spcAft>
+                <a:spcPct val="0"/>
+              </a:spcAft>
+              <a:defRPr sz="3200">
+                <a:solidFill>
+                  <a:schemeClr val="tx1"/>
+                </a:solidFill>
+                <a:latin typeface="Arial" panose="020B0604020202020204" pitchFamily="34" charset="0"/>
+                <a:ea typeface="微软雅黑" panose="020B0503020204020204" pitchFamily="34" charset="-122"/>
+              </a:defRPr>
+            </a:lvl7pPr>
+            <a:lvl8pPr marL="3429000" indent="-228600" eaLnBrk="0" fontAlgn="base" hangingPunct="0">
+              <a:spcBef>
+                <a:spcPct val="0"/>
+              </a:spcBef>
+              <a:spcAft>
+                <a:spcPct val="0"/>
+              </a:spcAft>
+              <a:defRPr sz="3200">
+                <a:solidFill>
+                  <a:schemeClr val="tx1"/>
+                </a:solidFill>
+                <a:latin typeface="Arial" panose="020B0604020202020204" pitchFamily="34" charset="0"/>
+                <a:ea typeface="微软雅黑" panose="020B0503020204020204" pitchFamily="34" charset="-122"/>
+              </a:defRPr>
+            </a:lvl8pPr>
+            <a:lvl9pPr marL="3886200" indent="-228600" eaLnBrk="0" fontAlgn="base" hangingPunct="0">
+              <a:spcBef>
+                <a:spcPct val="0"/>
+              </a:spcBef>
+              <a:spcAft>
+                <a:spcPct val="0"/>
+              </a:spcAft>
+              <a:defRPr sz="3200">
+                <a:solidFill>
+                  <a:schemeClr val="tx1"/>
+                </a:solidFill>
+                <a:latin typeface="Arial" panose="020B0604020202020204" pitchFamily="34" charset="0"/>
+                <a:ea typeface="微软雅黑" panose="020B0503020204020204" pitchFamily="34" charset="-122"/>
+              </a:defRPr>
+            </a:lvl9pPr>
+          </a:lstStyle>
+          <a:p>
+            <a:pPr>
+              <a:lnSpc>
+                <a:spcPct val="200000"/>
+              </a:lnSpc>
+              <a:buClr>
+                <a:srgbClr val="92D050"/>
+              </a:buClr>
+              <a:buFont typeface="Wingdings" panose="05000000000000000000" pitchFamily="2" charset="2"/>
+              <a:buChar char="Ø"/>
+            </a:pPr>
+            <a:r>
+              <a:rPr lang="zh-CN" altLang="en-US" sz="2800" b="1" dirty="0" smtClean="0">
+                <a:latin typeface="+mj-ea"/>
+                <a:ea typeface="+mj-ea"/>
+              </a:rPr>
+              <a:t>上拉加载</a:t>
+            </a:r>
+            <a:endParaRPr lang="en-US" altLang="zh-CN" sz="2800" b="1" dirty="0">
+              <a:latin typeface="+mj-ea"/>
+              <a:ea typeface="+mj-ea"/>
+            </a:endParaRPr>
+          </a:p>
+          <a:p>
+            <a:pPr>
+              <a:lnSpc>
+                <a:spcPct val="200000"/>
+              </a:lnSpc>
+              <a:buClr>
+                <a:srgbClr val="92D050"/>
+              </a:buClr>
+              <a:buFont typeface="Wingdings" panose="05000000000000000000" pitchFamily="2" charset="2"/>
+              <a:buChar char="Ø"/>
+            </a:pPr>
+            <a:r>
+              <a:rPr lang="zh-CN" altLang="en-US" sz="2800" b="1" dirty="0">
+                <a:latin typeface="+mj-ea"/>
+                <a:ea typeface="+mj-ea"/>
+              </a:rPr>
+              <a:t>下拉刷新</a:t>
+            </a:r>
+            <a:endParaRPr lang="en-US" altLang="zh-CN" sz="2800" b="1" dirty="0">
+              <a:latin typeface="+mj-ea"/>
+              <a:ea typeface="+mj-ea"/>
+            </a:endParaRPr>
+          </a:p>
+          <a:p>
+            <a:pPr>
+              <a:lnSpc>
+                <a:spcPct val="200000"/>
+              </a:lnSpc>
+              <a:buClr>
+                <a:srgbClr val="92D050"/>
+              </a:buClr>
+              <a:buFont typeface="Wingdings" panose="05000000000000000000" pitchFamily="2" charset="2"/>
+              <a:buChar char="Ø"/>
+            </a:pPr>
+            <a:r>
+              <a:rPr lang="zh-CN" altLang="en-US" sz="2800" b="1" dirty="0">
+                <a:solidFill>
+                  <a:srgbClr val="C00000"/>
+                </a:solidFill>
+                <a:latin typeface="+mj-ea"/>
+                <a:ea typeface="+mj-ea"/>
+              </a:rPr>
+              <a:t>滚动组件</a:t>
+            </a:r>
+            <a:endParaRPr lang="en-US" altLang="zh-CN" sz="2800" b="1" dirty="0">
+              <a:solidFill>
+                <a:srgbClr val="C00000"/>
+              </a:solidFill>
+              <a:latin typeface="+mj-ea"/>
+              <a:ea typeface="+mj-ea"/>
+            </a:endParaRPr>
+          </a:p>
+        </p:txBody>
+      </p:sp>
+    </p:spTree>
+    <p:extLst>
+      <p:ext uri="{BB962C8B-B14F-4D97-AF65-F5344CB8AC3E}">
+        <p14:creationId xmlns:p14="http://schemas.microsoft.com/office/powerpoint/2010/main" val="1452257496"/>
+      </p:ext>
+    </p:extLst>
+  </p:cSld>
+  <p:clrMapOvr>
+    <a:masterClrMapping/>
+  </p:clrMapOvr>
+  <p:transition/>
+  <p:timing>
+    <p:tnLst>
+      <p:par>
+        <p:cTn id="1" dur="indefinite" restart="never" nodeType="tmRoot"/>
+      </p:par>
+    </p:tnLst>
+  </p:timing>
+</p:sld>
+</file>
+
+<file path=ppt/slides/slide9.xml><?xml version="1.0" encoding="utf-8"?>
+<p:sld xmlns:a="http://schemas.openxmlformats.org/drawingml/2006/main" xmlns:r="http://schemas.openxmlformats.org/officeDocument/2006/relationships" xmlns:p="http://schemas.openxmlformats.org/presentationml/2006/main">
+  <p:cSld>
+    <p:spTree>
+      <p:nvGrpSpPr>
+        <p:cNvPr id="1" name=""/>
+        <p:cNvGrpSpPr/>
+        <p:nvPr/>
+      </p:nvGrpSpPr>
+      <p:grpSpPr>
+        <a:xfrm>
+          <a:off x="0" y="0"/>
+          <a:ext cx="0" cy="0"/>
+          <a:chOff x="0" y="0"/>
+          <a:chExt cx="0" cy="0"/>
+        </a:xfrm>
+      </p:grpSpPr>
+      <p:sp>
+        <p:nvSpPr>
+          <p:cNvPr id="30722" name="内容占位符 3"/>
+          <p:cNvSpPr>
+            <a:spLocks noGrp="1"/>
           </p:cNvSpPr>
           <p:nvPr>
-            <p:ph type="ctrTitle" idx="4294967295"/>
+            <p:ph sz="quarter" idx="10"/>
           </p:nvPr>
         </p:nvSpPr>
         <p:spPr bwMode="auto">
           <a:xfrm>
-            <a:off x="1557338" y="3494088"/>
-            <a:ext cx="7362825" cy="582612"/>
+            <a:off x="693526" y="980480"/>
+            <a:ext cx="10157038" cy="4897642"/>
           </a:xfrm>
-          <a:prstGeom prst="rect">
-            <a:avLst/>
-          </a:prstGeom>
-          <a:noFill/>
+          <a:solidFill>
+            <a:schemeClr val="bg1"/>
+          </a:solidFill>
+          <a:extLst/>
+        </p:spPr>
+        <p:txBody>
+          <a:bodyPr vert="horz" wrap="square" lIns="91440" tIns="45720" rIns="91440" bIns="45720" numCol="1" anchor="t" anchorCtr="0" compatLnSpc="1">
+            <a:prstTxWarp prst="textNoShape">
+              <a:avLst/>
+            </a:prstTxWarp>
+          </a:bodyPr>
+          <a:lstStyle/>
+          <a:p>
+            <a:pPr marL="360000"/>
+            <a:r>
+              <a:rPr lang="en-US" altLang="zh-CN" dirty="0"/>
+              <a:t> </a:t>
+            </a:r>
+            <a:r>
+              <a:rPr lang="zh-CN" altLang="en-US" dirty="0" smtClean="0"/>
+              <a:t>滚动组件</a:t>
+            </a:r>
+            <a:r>
+              <a:rPr lang="zh-CN" altLang="en-US" dirty="0" smtClean="0"/>
+              <a:t> </a:t>
+            </a:r>
+            <a:r>
+              <a:rPr lang="en-US" altLang="zh-CN" dirty="0" smtClean="0"/>
+              <a:t>--  </a:t>
+            </a:r>
+            <a:r>
+              <a:rPr lang="en-US" altLang="zh-CN" dirty="0" smtClean="0"/>
+              <a:t>ion-scroll</a:t>
+            </a:r>
+          </a:p>
+          <a:p>
+            <a:pPr marL="591775" lvl="1"/>
+            <a:r>
+              <a:rPr lang="en-US" altLang="zh-CN" dirty="0" smtClean="0"/>
+              <a:t> &lt;ion-scroll </a:t>
+            </a:r>
+            <a:r>
+              <a:rPr lang="en-US" altLang="zh-CN" dirty="0" err="1" smtClean="0"/>
+              <a:t>scrollX</a:t>
+            </a:r>
+            <a:r>
+              <a:rPr lang="en-US" altLang="zh-CN" dirty="0" smtClean="0"/>
+              <a:t>=“ true”&gt;</a:t>
+            </a:r>
+          </a:p>
+          <a:p>
+            <a:pPr marL="361587" lvl="1" indent="0">
+              <a:buNone/>
+            </a:pPr>
+            <a:r>
+              <a:rPr lang="en-US" altLang="zh-CN" dirty="0"/>
+              <a:t> </a:t>
+            </a:r>
+            <a:r>
+              <a:rPr lang="en-US" altLang="zh-CN" dirty="0" smtClean="0"/>
+              <a:t>   &lt;/ion-scroll&gt;</a:t>
+            </a:r>
+          </a:p>
+          <a:p>
+            <a:pPr marL="591775" lvl="1"/>
+            <a:r>
+              <a:rPr lang="en-US" altLang="zh-CN" dirty="0"/>
+              <a:t> &lt;ion-scroll </a:t>
+            </a:r>
+            <a:r>
+              <a:rPr lang="en-US" altLang="zh-CN" dirty="0" err="1" smtClean="0"/>
+              <a:t>scrollY</a:t>
+            </a:r>
+            <a:r>
+              <a:rPr lang="en-US" altLang="zh-CN" dirty="0" smtClean="0"/>
+              <a:t>=“ </a:t>
+            </a:r>
+            <a:r>
+              <a:rPr lang="en-US" altLang="zh-CN" dirty="0"/>
+              <a:t>true”&gt;</a:t>
+            </a:r>
+          </a:p>
+          <a:p>
+            <a:pPr marL="361587" lvl="1" indent="0">
+              <a:buNone/>
+            </a:pPr>
+            <a:r>
+              <a:rPr lang="en-US" altLang="zh-CN" dirty="0"/>
+              <a:t>    &lt;/ion-scroll&gt;</a:t>
+            </a:r>
+          </a:p>
+          <a:p>
+            <a:pPr marL="591775" lvl="1"/>
+            <a:r>
+              <a:rPr lang="en-US" altLang="zh-CN" dirty="0"/>
+              <a:t> &lt;ion-scroll </a:t>
+            </a:r>
+            <a:r>
+              <a:rPr lang="en-US" altLang="zh-CN" dirty="0" err="1"/>
+              <a:t>scrollX</a:t>
+            </a:r>
+            <a:r>
+              <a:rPr lang="en-US" altLang="zh-CN" dirty="0"/>
+              <a:t>=“ true</a:t>
+            </a:r>
+            <a:r>
+              <a:rPr lang="en-US" altLang="zh-CN" dirty="0" smtClean="0"/>
+              <a:t>”</a:t>
+            </a:r>
+            <a:r>
+              <a:rPr lang="en-US" altLang="zh-CN" dirty="0"/>
+              <a:t> </a:t>
+            </a:r>
+            <a:r>
+              <a:rPr lang="en-US" altLang="zh-CN" dirty="0" err="1"/>
+              <a:t>scrollY</a:t>
+            </a:r>
+            <a:r>
+              <a:rPr lang="en-US" altLang="zh-CN" dirty="0" smtClean="0"/>
+              <a:t>=“true” &gt;</a:t>
+            </a:r>
+            <a:endParaRPr lang="en-US" altLang="zh-CN" dirty="0"/>
+          </a:p>
+          <a:p>
+            <a:pPr marL="361587" lvl="1" indent="0">
+              <a:buNone/>
+            </a:pPr>
+            <a:r>
+              <a:rPr lang="en-US" altLang="zh-CN" dirty="0"/>
+              <a:t>    &lt;/ion-scroll&gt;</a:t>
+            </a:r>
+          </a:p>
+          <a:p>
+            <a:pPr marL="591775" lvl="1"/>
+            <a:r>
+              <a:rPr lang="en-US" altLang="zh-CN" dirty="0"/>
+              <a:t> </a:t>
+            </a:r>
+            <a:r>
+              <a:rPr lang="zh-CN" altLang="en-US" dirty="0" smtClean="0"/>
+              <a:t>结合 </a:t>
+            </a:r>
+            <a:r>
+              <a:rPr lang="en-US" altLang="zh-CN" kern="1200" dirty="0">
+                <a:latin typeface="Arial" pitchFamily="34" charset="0"/>
+              </a:rPr>
+              <a:t>white-space: </a:t>
+            </a:r>
+            <a:r>
+              <a:rPr lang="en-US" altLang="zh-CN" kern="1200" dirty="0" err="1">
+                <a:latin typeface="Arial" pitchFamily="34" charset="0"/>
+              </a:rPr>
+              <a:t>nowrap</a:t>
+            </a:r>
+            <a:r>
+              <a:rPr lang="en-US" altLang="zh-CN" kern="1200" dirty="0">
+                <a:latin typeface="Arial" pitchFamily="34" charset="0"/>
+              </a:rPr>
+              <a:t>; </a:t>
+            </a:r>
+            <a:r>
+              <a:rPr lang="en-US" altLang="zh-CN" kern="1200" dirty="0" smtClean="0">
+                <a:latin typeface="Arial" pitchFamily="34" charset="0"/>
+              </a:rPr>
+              <a:t> </a:t>
+            </a:r>
+            <a:r>
+              <a:rPr lang="zh-CN" altLang="en-US" kern="1200" dirty="0" smtClean="0">
+                <a:latin typeface="Arial" pitchFamily="34" charset="0"/>
+              </a:rPr>
+              <a:t>属性使用</a:t>
+            </a:r>
+            <a:endParaRPr lang="en-US" altLang="zh-CN" dirty="0" smtClean="0"/>
+          </a:p>
+          <a:p>
+            <a:pPr marL="361587" lvl="1" indent="0">
+              <a:buNone/>
+            </a:pPr>
+            <a:r>
+              <a:rPr lang="en-US" altLang="zh-CN" dirty="0" smtClean="0"/>
+              <a:t> </a:t>
+            </a:r>
+          </a:p>
+        </p:txBody>
+      </p:sp>
+      <p:sp>
+        <p:nvSpPr>
+          <p:cNvPr id="25603" name="内容占位符 4"/>
+          <p:cNvSpPr>
+            <a:spLocks noGrp="1"/>
+          </p:cNvSpPr>
+          <p:nvPr>
+            <p:ph sz="quarter" idx="11"/>
+          </p:nvPr>
+        </p:nvSpPr>
+        <p:spPr bwMode="auto">
+          <a:xfrm>
+            <a:off x="909638" y="236538"/>
+            <a:ext cx="7575550" cy="490537"/>
+          </a:xfrm>
           <a:extLst>
             <a:ext uri="{909E8E84-426E-40DD-AFC4-6F175D3DCCD1}">
               <a14:hiddenFill xmlns:a14="http://schemas.microsoft.com/office/drawing/2010/main">
@@ -5089,77 +6195,36 @@
           </a:extLst>
         </p:spPr>
         <p:txBody>
-          <a:bodyPr anchor="b"/>
+          <a:bodyPr vert="horz" wrap="square" lIns="91440" tIns="45720" rIns="91440" bIns="45720" numCol="1" anchor="t" anchorCtr="0" compatLnSpc="1">
+            <a:prstTxWarp prst="textNoShape">
+              <a:avLst/>
+            </a:prstTxWarp>
+          </a:bodyPr>
           <a:lstStyle/>
           <a:p>
-            <a:pPr algn="ctr" eaLnBrk="1" hangingPunct="1"/>
-            <a:r>
-              <a:rPr lang="en-US" altLang="zh-CN" sz="5400" smtClean="0">
-                <a:ea typeface="宋体" panose="02010600030101010101" pitchFamily="2" charset="-122"/>
+            <a:pPr>
+              <a:defRPr/>
+            </a:pPr>
+            <a:r>
+              <a:rPr lang="zh-CN" altLang="en-US" dirty="0" smtClean="0">
+                <a:latin typeface="+mn-ea"/>
+                <a:ea typeface="+mn-ea"/>
               </a:rPr>
-              <a:t>Thank You</a:t>
-            </a:r>
-            <a:endParaRPr lang="zh-CN" altLang="zh-CN" sz="5400" smtClean="0">
-              <a:ea typeface="宋体" panose="02010600030101010101" pitchFamily="2" charset="-122"/>
+              <a:t>滚动组件</a:t>
+            </a:r>
+            <a:endParaRPr lang="zh-CN" altLang="en-US" dirty="0" smtClean="0">
+              <a:latin typeface="+mn-ea"/>
+              <a:ea typeface="+mn-ea"/>
             </a:endParaRPr>
           </a:p>
         </p:txBody>
       </p:sp>
-      <p:pic>
-        <p:nvPicPr>
-          <p:cNvPr id="69636" name="图片 3" descr="软院logo横版.png"/>
-          <p:cNvPicPr>
-            <a:picLocks noChangeAspect="1"/>
-          </p:cNvPicPr>
-          <p:nvPr/>
-        </p:nvPicPr>
-        <p:blipFill>
-          <a:blip r:embed="rId3">
-            <a:extLst>
-              <a:ext uri="{28A0092B-C50C-407E-A947-70E740481C1C}">
-                <a14:useLocalDpi xmlns:a14="http://schemas.microsoft.com/office/drawing/2010/main" val="0"/>
-              </a:ext>
-            </a:extLst>
-          </a:blip>
-          <a:srcRect/>
-          <a:stretch>
-            <a:fillRect/>
-          </a:stretch>
-        </p:blipFill>
-        <p:spPr bwMode="auto">
-          <a:xfrm>
-            <a:off x="1634130" y="5806089"/>
-            <a:ext cx="3381375" cy="527050"/>
-          </a:xfrm>
-          <a:prstGeom prst="rect">
-            <a:avLst/>
-          </a:prstGeom>
-          <a:noFill/>
-          <a:ln>
-            <a:noFill/>
-          </a:ln>
-          <a:extLst>
-            <a:ext uri="{909E8E84-426E-40DD-AFC4-6F175D3DCCD1}">
-              <a14:hiddenFill xmlns:a14="http://schemas.microsoft.com/office/drawing/2010/main">
-                <a:solidFill>
-                  <a:srgbClr val="FFFFFF"/>
-                </a:solidFill>
-              </a14:hiddenFill>
-            </a:ext>
-            <a:ext uri="{91240B29-F687-4F45-9708-019B960494DF}">
-              <a14:hiddenLine xmlns:a14="http://schemas.microsoft.com/office/drawing/2010/main" w="9525">
-                <a:solidFill>
-                  <a:srgbClr val="000000"/>
-                </a:solidFill>
-                <a:miter lim="800000"/>
-                <a:headEnd/>
-                <a:tailEnd/>
-              </a14:hiddenLine>
-            </a:ext>
-          </a:extLst>
-        </p:spPr>
-      </p:pic>
     </p:spTree>
+    <p:extLst>
+      <p:ext uri="{BB962C8B-B14F-4D97-AF65-F5344CB8AC3E}">
+        <p14:creationId xmlns:p14="http://schemas.microsoft.com/office/powerpoint/2010/main" val="2146705327"/>
+      </p:ext>
+    </p:extLst>
   </p:cSld>
   <p:clrMapOvr>
     <a:masterClrMapping/>
